--- a/notebooks/_img/python_ecosystem.pptx
+++ b/notebooks/_img/python_ecosystem.pptx
@@ -245,7 +245,7 @@
           <a:p>
             <a:fld id="{DB9C653F-595A-4749-A205-782AABA57F1E}" type="datetimeFigureOut">
               <a:rPr lang="de-DE" smtClean="0"/>
-              <a:t>25.01.2018</a:t>
+              <a:t>08.03.2018</a:t>
             </a:fld>
             <a:endParaRPr lang="de-DE"/>
           </a:p>
@@ -415,7 +415,7 @@
           <a:p>
             <a:fld id="{DB9C653F-595A-4749-A205-782AABA57F1E}" type="datetimeFigureOut">
               <a:rPr lang="de-DE" smtClean="0"/>
-              <a:t>25.01.2018</a:t>
+              <a:t>08.03.2018</a:t>
             </a:fld>
             <a:endParaRPr lang="de-DE"/>
           </a:p>
@@ -595,7 +595,7 @@
           <a:p>
             <a:fld id="{DB9C653F-595A-4749-A205-782AABA57F1E}" type="datetimeFigureOut">
               <a:rPr lang="de-DE" smtClean="0"/>
-              <a:t>25.01.2018</a:t>
+              <a:t>08.03.2018</a:t>
             </a:fld>
             <a:endParaRPr lang="de-DE"/>
           </a:p>
@@ -765,7 +765,7 @@
           <a:p>
             <a:fld id="{DB9C653F-595A-4749-A205-782AABA57F1E}" type="datetimeFigureOut">
               <a:rPr lang="de-DE" smtClean="0"/>
-              <a:t>25.01.2018</a:t>
+              <a:t>08.03.2018</a:t>
             </a:fld>
             <a:endParaRPr lang="de-DE"/>
           </a:p>
@@ -1011,7 +1011,7 @@
           <a:p>
             <a:fld id="{DB9C653F-595A-4749-A205-782AABA57F1E}" type="datetimeFigureOut">
               <a:rPr lang="de-DE" smtClean="0"/>
-              <a:t>25.01.2018</a:t>
+              <a:t>08.03.2018</a:t>
             </a:fld>
             <a:endParaRPr lang="de-DE"/>
           </a:p>
@@ -1243,7 +1243,7 @@
           <a:p>
             <a:fld id="{DB9C653F-595A-4749-A205-782AABA57F1E}" type="datetimeFigureOut">
               <a:rPr lang="de-DE" smtClean="0"/>
-              <a:t>25.01.2018</a:t>
+              <a:t>08.03.2018</a:t>
             </a:fld>
             <a:endParaRPr lang="de-DE"/>
           </a:p>
@@ -1610,7 +1610,7 @@
           <a:p>
             <a:fld id="{DB9C653F-595A-4749-A205-782AABA57F1E}" type="datetimeFigureOut">
               <a:rPr lang="de-DE" smtClean="0"/>
-              <a:t>25.01.2018</a:t>
+              <a:t>08.03.2018</a:t>
             </a:fld>
             <a:endParaRPr lang="de-DE"/>
           </a:p>
@@ -1728,7 +1728,7 @@
           <a:p>
             <a:fld id="{DB9C653F-595A-4749-A205-782AABA57F1E}" type="datetimeFigureOut">
               <a:rPr lang="de-DE" smtClean="0"/>
-              <a:t>25.01.2018</a:t>
+              <a:t>08.03.2018</a:t>
             </a:fld>
             <a:endParaRPr lang="de-DE"/>
           </a:p>
@@ -1823,7 +1823,7 @@
           <a:p>
             <a:fld id="{DB9C653F-595A-4749-A205-782AABA57F1E}" type="datetimeFigureOut">
               <a:rPr lang="de-DE" smtClean="0"/>
-              <a:t>25.01.2018</a:t>
+              <a:t>08.03.2018</a:t>
             </a:fld>
             <a:endParaRPr lang="de-DE"/>
           </a:p>
@@ -2100,7 +2100,7 @@
           <a:p>
             <a:fld id="{DB9C653F-595A-4749-A205-782AABA57F1E}" type="datetimeFigureOut">
               <a:rPr lang="de-DE" smtClean="0"/>
-              <a:t>25.01.2018</a:t>
+              <a:t>08.03.2018</a:t>
             </a:fld>
             <a:endParaRPr lang="de-DE"/>
           </a:p>
@@ -2353,7 +2353,7 @@
           <a:p>
             <a:fld id="{DB9C653F-595A-4749-A205-782AABA57F1E}" type="datetimeFigureOut">
               <a:rPr lang="de-DE" smtClean="0"/>
-              <a:t>25.01.2018</a:t>
+              <a:t>08.03.2018</a:t>
             </a:fld>
             <a:endParaRPr lang="de-DE"/>
           </a:p>
@@ -2566,7 +2566,7 @@
           <a:p>
             <a:fld id="{DB9C653F-595A-4749-A205-782AABA57F1E}" type="datetimeFigureOut">
               <a:rPr lang="de-DE" smtClean="0"/>
-              <a:t>25.01.2018</a:t>
+              <a:t>08.03.2018</a:t>
             </a:fld>
             <a:endParaRPr lang="de-DE"/>
           </a:p>
@@ -3516,13 +3516,13 @@
       </p:grpSpPr>
       <p:pic>
         <p:nvPicPr>
-          <p:cNvPr id="82" name="Grafik 81"/>
+          <p:cNvPr id="4" name="Grafik 3"/>
           <p:cNvPicPr>
             <a:picLocks noChangeAspect="1"/>
           </p:cNvPicPr>
           <p:nvPr/>
         </p:nvPicPr>
-        <p:blipFill rotWithShape="1">
+        <p:blipFill>
           <a:blip r:embed="rId2">
             <a:extLst>
               <a:ext uri="{28A0092B-C50C-407E-A947-70E740481C1C}">
@@ -3530,13 +3530,14 @@
               </a:ext>
             </a:extLst>
           </a:blip>
-          <a:srcRect b="15715"/>
-          <a:stretch/>
+          <a:stretch>
+            <a:fillRect/>
+          </a:stretch>
         </p:blipFill>
         <p:spPr>
           <a:xfrm>
-            <a:off x="4770050" y="6024182"/>
-            <a:ext cx="2869760" cy="816994"/>
+            <a:off x="5753237" y="1575892"/>
+            <a:ext cx="2423789" cy="863797"/>
           </a:xfrm>
           <a:prstGeom prst="rect">
             <a:avLst/>
@@ -3545,7 +3546,7 @@
       </p:pic>
       <p:pic>
         <p:nvPicPr>
-          <p:cNvPr id="11" name="Grafik 10"/>
+          <p:cNvPr id="82" name="Grafik 81"/>
           <p:cNvPicPr>
             <a:picLocks noChangeAspect="1"/>
           </p:cNvPicPr>
@@ -3559,6 +3560,35 @@
               </a:ext>
             </a:extLst>
           </a:blip>
+          <a:srcRect b="15715"/>
+          <a:stretch/>
+        </p:blipFill>
+        <p:spPr>
+          <a:xfrm>
+            <a:off x="4770050" y="6024182"/>
+            <a:ext cx="2869760" cy="816994"/>
+          </a:xfrm>
+          <a:prstGeom prst="rect">
+            <a:avLst/>
+          </a:prstGeom>
+        </p:spPr>
+      </p:pic>
+      <p:pic>
+        <p:nvPicPr>
+          <p:cNvPr id="11" name="Grafik 10"/>
+          <p:cNvPicPr>
+            <a:picLocks noChangeAspect="1"/>
+          </p:cNvPicPr>
+          <p:nvPr/>
+        </p:nvPicPr>
+        <p:blipFill rotWithShape="1">
+          <a:blip r:embed="rId4">
+            <a:extLst>
+              <a:ext uri="{28A0092B-C50C-407E-A947-70E740481C1C}">
+                <a14:useLocalDpi xmlns:a14="http://schemas.microsoft.com/office/drawing/2010/main" val="0"/>
+              </a:ext>
+            </a:extLst>
+          </a:blip>
           <a:srcRect l="17374" t="11222" r="16523" b="12350"/>
           <a:stretch/>
         </p:blipFill>
@@ -3581,7 +3611,7 @@
           <p:nvPr/>
         </p:nvPicPr>
         <p:blipFill>
-          <a:blip r:embed="rId4">
+          <a:blip r:embed="rId5">
             <a:extLst>
               <a:ext uri="{28A0092B-C50C-407E-A947-70E740481C1C}">
                 <a14:useLocalDpi xmlns:a14="http://schemas.microsoft.com/office/drawing/2010/main" val="0"/>
@@ -3611,7 +3641,7 @@
           <p:nvPr/>
         </p:nvPicPr>
         <p:blipFill>
-          <a:blip r:embed="rId5" cstate="print">
+          <a:blip r:embed="rId6" cstate="print">
             <a:extLst>
               <a:ext uri="{28A0092B-C50C-407E-A947-70E740481C1C}">
                 <a14:useLocalDpi xmlns:a14="http://schemas.microsoft.com/office/drawing/2010/main" val="0"/>
@@ -3641,7 +3671,7 @@
           <p:nvPr/>
         </p:nvPicPr>
         <p:blipFill>
-          <a:blip r:embed="rId6">
+          <a:blip r:embed="rId7">
             <a:extLst>
               <a:ext uri="{28A0092B-C50C-407E-A947-70E740481C1C}">
                 <a14:useLocalDpi xmlns:a14="http://schemas.microsoft.com/office/drawing/2010/main" val="0"/>
@@ -3671,7 +3701,7 @@
           <p:nvPr/>
         </p:nvPicPr>
         <p:blipFill>
-          <a:blip r:embed="rId7" cstate="print">
+          <a:blip r:embed="rId8" cstate="print">
             <a:extLst>
               <a:ext uri="{28A0092B-C50C-407E-A947-70E740481C1C}">
                 <a14:useLocalDpi xmlns:a14="http://schemas.microsoft.com/office/drawing/2010/main" val="0"/>
@@ -3701,7 +3731,7 @@
           <p:nvPr/>
         </p:nvPicPr>
         <p:blipFill>
-          <a:blip r:embed="rId8">
+          <a:blip r:embed="rId9">
             <a:extLst>
               <a:ext uri="{28A0092B-C50C-407E-A947-70E740481C1C}">
                 <a14:useLocalDpi xmlns:a14="http://schemas.microsoft.com/office/drawing/2010/main" val="0"/>
@@ -3714,7 +3744,7 @@
         </p:blipFill>
         <p:spPr>
           <a:xfrm>
-            <a:off x="303798" y="4981266"/>
+            <a:off x="229981" y="5336240"/>
             <a:ext cx="2022671" cy="701897"/>
           </a:xfrm>
           <a:prstGeom prst="rect">
@@ -3731,7 +3761,7 @@
           <p:nvPr/>
         </p:nvPicPr>
         <p:blipFill rotWithShape="1">
-          <a:blip r:embed="rId9">
+          <a:blip r:embed="rId10">
             <a:extLst>
               <a:ext uri="{28A0092B-C50C-407E-A947-70E740481C1C}">
                 <a14:useLocalDpi xmlns:a14="http://schemas.microsoft.com/office/drawing/2010/main" val="0"/>
@@ -3743,7 +3773,7 @@
         </p:blipFill>
         <p:spPr>
           <a:xfrm>
-            <a:off x="1447542" y="3674910"/>
+            <a:off x="1785111" y="3557024"/>
             <a:ext cx="2210003" cy="1016719"/>
           </a:xfrm>
           <a:prstGeom prst="rect">
@@ -3760,7 +3790,7 @@
           <p:nvPr/>
         </p:nvPicPr>
         <p:blipFill>
-          <a:blip r:embed="rId10">
+          <a:blip r:embed="rId11">
             <a:extLst>
               <a:ext uri="{28A0092B-C50C-407E-A947-70E740481C1C}">
                 <a14:useLocalDpi xmlns:a14="http://schemas.microsoft.com/office/drawing/2010/main" val="0"/>
@@ -3773,7 +3803,7 @@
         </p:blipFill>
         <p:spPr>
           <a:xfrm>
-            <a:off x="3751477" y="2921830"/>
+            <a:off x="3508751" y="2921807"/>
             <a:ext cx="3658244" cy="762134"/>
           </a:xfrm>
           <a:prstGeom prst="rect">
@@ -3790,7 +3820,7 @@
           <p:nvPr/>
         </p:nvPicPr>
         <p:blipFill>
-          <a:blip r:embed="rId11" cstate="print">
+          <a:blip r:embed="rId12" cstate="print">
             <a:extLst>
               <a:ext uri="{28A0092B-C50C-407E-A947-70E740481C1C}">
                 <a14:useLocalDpi xmlns:a14="http://schemas.microsoft.com/office/drawing/2010/main" val="0"/>
@@ -3814,36 +3844,6 @@
       <p:pic>
         <p:nvPicPr>
           <p:cNvPr id="44" name="Grafik 43"/>
-          <p:cNvPicPr>
-            <a:picLocks noChangeAspect="1"/>
-          </p:cNvPicPr>
-          <p:nvPr/>
-        </p:nvPicPr>
-        <p:blipFill>
-          <a:blip r:embed="rId12">
-            <a:extLst>
-              <a:ext uri="{28A0092B-C50C-407E-A947-70E740481C1C}">
-                <a14:useLocalDpi xmlns:a14="http://schemas.microsoft.com/office/drawing/2010/main" val="0"/>
-              </a:ext>
-            </a:extLst>
-          </a:blip>
-          <a:stretch>
-            <a:fillRect/>
-          </a:stretch>
-        </p:blipFill>
-        <p:spPr>
-          <a:xfrm>
-            <a:off x="6633168" y="4478161"/>
-            <a:ext cx="954995" cy="954995"/>
-          </a:xfrm>
-          <a:prstGeom prst="rect">
-            <a:avLst/>
-          </a:prstGeom>
-        </p:spPr>
-      </p:pic>
-      <p:pic>
-        <p:nvPicPr>
-          <p:cNvPr id="48" name="Grafik 47"/>
           <p:cNvPicPr>
             <a:picLocks noChangeAspect="1"/>
           </p:cNvPicPr>
@@ -3863,8 +3863,8 @@
         </p:blipFill>
         <p:spPr>
           <a:xfrm>
-            <a:off x="4265738" y="1070777"/>
-            <a:ext cx="1738091" cy="1738091"/>
+            <a:off x="6633168" y="4478161"/>
+            <a:ext cx="954995" cy="954995"/>
           </a:xfrm>
           <a:prstGeom prst="rect">
             <a:avLst/>
@@ -3873,7 +3873,7 @@
       </p:pic>
       <p:pic>
         <p:nvPicPr>
-          <p:cNvPr id="49" name="Grafik 48"/>
+          <p:cNvPr id="48" name="Grafik 47"/>
           <p:cNvPicPr>
             <a:picLocks noChangeAspect="1"/>
           </p:cNvPicPr>
@@ -3893,8 +3893,8 @@
         </p:blipFill>
         <p:spPr>
           <a:xfrm>
-            <a:off x="7530529" y="1193512"/>
-            <a:ext cx="2712188" cy="668497"/>
+            <a:off x="3772402" y="1323832"/>
+            <a:ext cx="1738091" cy="1738091"/>
           </a:xfrm>
           <a:prstGeom prst="rect">
             <a:avLst/>
@@ -3903,7 +3903,7 @@
       </p:pic>
       <p:pic>
         <p:nvPicPr>
-          <p:cNvPr id="52" name="Grafik 51"/>
+          <p:cNvPr id="49" name="Grafik 48"/>
           <p:cNvPicPr>
             <a:picLocks noChangeAspect="1"/>
           </p:cNvPicPr>
@@ -3923,8 +3923,8 @@
         </p:blipFill>
         <p:spPr>
           <a:xfrm>
-            <a:off x="9814072" y="2016441"/>
-            <a:ext cx="1925640" cy="980013"/>
+            <a:off x="8476809" y="1205769"/>
+            <a:ext cx="2712188" cy="668497"/>
           </a:xfrm>
           <a:prstGeom prst="rect">
             <a:avLst/>
@@ -3933,7 +3933,7 @@
       </p:pic>
       <p:pic>
         <p:nvPicPr>
-          <p:cNvPr id="54" name="Grafik 53"/>
+          <p:cNvPr id="52" name="Grafik 51"/>
           <p:cNvPicPr>
             <a:picLocks noChangeAspect="1"/>
           </p:cNvPicPr>
@@ -3953,8 +3953,8 @@
         </p:blipFill>
         <p:spPr>
           <a:xfrm>
-            <a:off x="407667" y="1658390"/>
-            <a:ext cx="3127259" cy="637451"/>
+            <a:off x="9880622" y="2295841"/>
+            <a:ext cx="1925640" cy="980013"/>
           </a:xfrm>
           <a:prstGeom prst="rect">
             <a:avLst/>
@@ -3963,7 +3963,7 @@
       </p:pic>
       <p:pic>
         <p:nvPicPr>
-          <p:cNvPr id="59" name="Grafik 58"/>
+          <p:cNvPr id="54" name="Grafik 53"/>
           <p:cNvPicPr>
             <a:picLocks noChangeAspect="1"/>
           </p:cNvPicPr>
@@ -3983,6 +3983,36 @@
         </p:blipFill>
         <p:spPr>
           <a:xfrm>
+            <a:off x="407667" y="1658390"/>
+            <a:ext cx="3127259" cy="637451"/>
+          </a:xfrm>
+          <a:prstGeom prst="rect">
+            <a:avLst/>
+          </a:prstGeom>
+        </p:spPr>
+      </p:pic>
+      <p:pic>
+        <p:nvPicPr>
+          <p:cNvPr id="59" name="Grafik 58"/>
+          <p:cNvPicPr>
+            <a:picLocks noChangeAspect="1"/>
+          </p:cNvPicPr>
+          <p:nvPr/>
+        </p:nvPicPr>
+        <p:blipFill>
+          <a:blip r:embed="rId18">
+            <a:extLst>
+              <a:ext uri="{28A0092B-C50C-407E-A947-70E740481C1C}">
+                <a14:useLocalDpi xmlns:a14="http://schemas.microsoft.com/office/drawing/2010/main" val="0"/>
+              </a:ext>
+            </a:extLst>
+          </a:blip>
+          <a:stretch>
+            <a:fillRect/>
+          </a:stretch>
+        </p:blipFill>
+        <p:spPr>
+          <a:xfrm>
             <a:off x="10242717" y="4447868"/>
             <a:ext cx="1745618" cy="1309213"/>
           </a:xfrm>
@@ -4000,7 +4030,7 @@
           <p:nvPr/>
         </p:nvPicPr>
         <p:blipFill>
-          <a:blip r:embed="rId18" cstate="print">
+          <a:blip r:embed="rId19" cstate="print">
             <a:extLst>
               <a:ext uri="{28A0092B-C50C-407E-A947-70E740481C1C}">
                 <a14:useLocalDpi xmlns:a14="http://schemas.microsoft.com/office/drawing/2010/main" val="0"/>
@@ -4030,7 +4060,7 @@
           <p:nvPr/>
         </p:nvPicPr>
         <p:blipFill rotWithShape="1">
-          <a:blip r:embed="rId19">
+          <a:blip r:embed="rId20">
             <a:extLst>
               <a:ext uri="{28A0092B-C50C-407E-A947-70E740481C1C}">
                 <a14:useLocalDpi xmlns:a14="http://schemas.microsoft.com/office/drawing/2010/main" val="0"/>
@@ -4042,7 +4072,7 @@
         </p:blipFill>
         <p:spPr>
           <a:xfrm>
-            <a:off x="8157434" y="2210532"/>
+            <a:off x="8321159" y="2301708"/>
             <a:ext cx="1042610" cy="1069808"/>
           </a:xfrm>
           <a:prstGeom prst="rect">
@@ -4053,36 +4083,6 @@
       <p:pic>
         <p:nvPicPr>
           <p:cNvPr id="75" name="Grafik 74"/>
-          <p:cNvPicPr>
-            <a:picLocks noChangeAspect="1"/>
-          </p:cNvPicPr>
-          <p:nvPr/>
-        </p:nvPicPr>
-        <p:blipFill>
-          <a:blip r:embed="rId20" cstate="print">
-            <a:extLst>
-              <a:ext uri="{28A0092B-C50C-407E-A947-70E740481C1C}">
-                <a14:useLocalDpi xmlns:a14="http://schemas.microsoft.com/office/drawing/2010/main" val="0"/>
-              </a:ext>
-            </a:extLst>
-          </a:blip>
-          <a:stretch>
-            <a:fillRect/>
-          </a:stretch>
-        </p:blipFill>
-        <p:spPr>
-          <a:xfrm>
-            <a:off x="3267838" y="512036"/>
-            <a:ext cx="851243" cy="851243"/>
-          </a:xfrm>
-          <a:prstGeom prst="rect">
-            <a:avLst/>
-          </a:prstGeom>
-        </p:spPr>
-      </p:pic>
-      <p:pic>
-        <p:nvPicPr>
-          <p:cNvPr id="76" name="Grafik 75"/>
           <p:cNvPicPr>
             <a:picLocks noChangeAspect="1"/>
           </p:cNvPicPr>
@@ -4102,7 +4102,37 @@
         </p:blipFill>
         <p:spPr>
           <a:xfrm>
-            <a:off x="1067823" y="403486"/>
+            <a:off x="2657508" y="428892"/>
+            <a:ext cx="851243" cy="851243"/>
+          </a:xfrm>
+          <a:prstGeom prst="rect">
+            <a:avLst/>
+          </a:prstGeom>
+        </p:spPr>
+      </p:pic>
+      <p:pic>
+        <p:nvPicPr>
+          <p:cNvPr id="76" name="Grafik 75"/>
+          <p:cNvPicPr>
+            <a:picLocks noChangeAspect="1"/>
+          </p:cNvPicPr>
+          <p:nvPr/>
+        </p:nvPicPr>
+        <p:blipFill>
+          <a:blip r:embed="rId22" cstate="print">
+            <a:extLst>
+              <a:ext uri="{28A0092B-C50C-407E-A947-70E740481C1C}">
+                <a14:useLocalDpi xmlns:a14="http://schemas.microsoft.com/office/drawing/2010/main" val="0"/>
+              </a:ext>
+            </a:extLst>
+          </a:blip>
+          <a:stretch>
+            <a:fillRect/>
+          </a:stretch>
+        </p:blipFill>
+        <p:spPr>
+          <a:xfrm>
+            <a:off x="633499" y="303683"/>
             <a:ext cx="888290" cy="888290"/>
           </a:xfrm>
           <a:prstGeom prst="rect">
@@ -4119,7 +4149,7 @@
           <p:nvPr/>
         </p:nvPicPr>
         <p:blipFill>
-          <a:blip r:embed="rId22" cstate="print"/>
+          <a:blip r:embed="rId23" cstate="print"/>
           <a:srcRect t="31773" b="33128"/>
           <a:stretch>
             <a:fillRect/>
@@ -4127,8 +4157,8 @@
         </p:blipFill>
         <p:spPr bwMode="auto">
           <a:xfrm>
-            <a:off x="5156559" y="467000"/>
-            <a:ext cx="2103061" cy="516714"/>
+            <a:off x="4641448" y="514003"/>
+            <a:ext cx="2576023" cy="632919"/>
           </a:xfrm>
           <a:prstGeom prst="rect">
             <a:avLst/>
@@ -4365,6 +4395,36 @@
           </a:p>
         </p:txBody>
       </p:sp>
+      <p:pic>
+        <p:nvPicPr>
+          <p:cNvPr id="2" name="Grafik 1"/>
+          <p:cNvPicPr>
+            <a:picLocks noChangeAspect="1"/>
+          </p:cNvPicPr>
+          <p:nvPr/>
+        </p:nvPicPr>
+        <p:blipFill>
+          <a:blip r:embed="rId24" cstate="print">
+            <a:extLst>
+              <a:ext uri="{28A0092B-C50C-407E-A947-70E740481C1C}">
+                <a14:useLocalDpi xmlns:a14="http://schemas.microsoft.com/office/drawing/2010/main" val="0"/>
+              </a:ext>
+            </a:extLst>
+          </a:blip>
+          <a:stretch>
+            <a:fillRect/>
+          </a:stretch>
+        </p:blipFill>
+        <p:spPr>
+          <a:xfrm>
+            <a:off x="298545" y="3855790"/>
+            <a:ext cx="1435906" cy="1435906"/>
+          </a:xfrm>
+          <a:prstGeom prst="rect">
+            <a:avLst/>
+          </a:prstGeom>
+        </p:spPr>
+      </p:pic>
     </p:spTree>
     <p:extLst>
       <p:ext uri="{BB962C8B-B14F-4D97-AF65-F5344CB8AC3E}">
